--- a/视频人体动捕技术/imgs/edit.pptx
+++ b/视频人体动捕技术/imgs/edit.pptx
@@ -6,6 +6,7 @@
   </p:sldMasterIdLst>
   <p:sldIdLst>
     <p:sldId id="256" r:id="rId2"/>
+    <p:sldId id="257" r:id="rId3"/>
   </p:sldIdLst>
   <p:sldSz cx="12192000" cy="6858000"/>
   <p:notesSz cx="6858000" cy="9144000"/>
@@ -104,6 +105,11 @@
       </a:defRPr>
     </a:lvl9pPr>
   </p:defaultTextStyle>
+  <p:extLst>
+    <p:ext uri="{EFAFB233-063F-42B5-8137-9DF3F51BA10A}">
+      <p15:sldGuideLst xmlns:p15="http://schemas.microsoft.com/office/powerpoint/2012/main"/>
+    </p:ext>
+  </p:extLst>
 </p:presentation>
 </file>
 
@@ -254,7 +260,7 @@
           <a:p>
             <a:fld id="{69B82418-4580-4E23-A80E-2AC1137F7F07}" type="datetimeFigureOut">
               <a:rPr lang="zh-CN" altLang="en-US" smtClean="0"/>
-              <a:t>2020/8/28 Friday</a:t>
+              <a:t>2020/8/30 Sunday</a:t>
             </a:fld>
             <a:endParaRPr lang="zh-CN" altLang="en-US"/>
           </a:p>
@@ -452,7 +458,7 @@
           <a:p>
             <a:fld id="{69B82418-4580-4E23-A80E-2AC1137F7F07}" type="datetimeFigureOut">
               <a:rPr lang="zh-CN" altLang="en-US" smtClean="0"/>
-              <a:t>2020/8/28 Friday</a:t>
+              <a:t>2020/8/30 Sunday</a:t>
             </a:fld>
             <a:endParaRPr lang="zh-CN" altLang="en-US"/>
           </a:p>
@@ -660,7 +666,7 @@
           <a:p>
             <a:fld id="{69B82418-4580-4E23-A80E-2AC1137F7F07}" type="datetimeFigureOut">
               <a:rPr lang="zh-CN" altLang="en-US" smtClean="0"/>
-              <a:t>2020/8/28 Friday</a:t>
+              <a:t>2020/8/30 Sunday</a:t>
             </a:fld>
             <a:endParaRPr lang="zh-CN" altLang="en-US"/>
           </a:p>
@@ -858,7 +864,7 @@
           <a:p>
             <a:fld id="{69B82418-4580-4E23-A80E-2AC1137F7F07}" type="datetimeFigureOut">
               <a:rPr lang="zh-CN" altLang="en-US" smtClean="0"/>
-              <a:t>2020/8/28 Friday</a:t>
+              <a:t>2020/8/30 Sunday</a:t>
             </a:fld>
             <a:endParaRPr lang="zh-CN" altLang="en-US"/>
           </a:p>
@@ -1133,7 +1139,7 @@
           <a:p>
             <a:fld id="{69B82418-4580-4E23-A80E-2AC1137F7F07}" type="datetimeFigureOut">
               <a:rPr lang="zh-CN" altLang="en-US" smtClean="0"/>
-              <a:t>2020/8/28 Friday</a:t>
+              <a:t>2020/8/30 Sunday</a:t>
             </a:fld>
             <a:endParaRPr lang="zh-CN" altLang="en-US"/>
           </a:p>
@@ -1398,7 +1404,7 @@
           <a:p>
             <a:fld id="{69B82418-4580-4E23-A80E-2AC1137F7F07}" type="datetimeFigureOut">
               <a:rPr lang="zh-CN" altLang="en-US" smtClean="0"/>
-              <a:t>2020/8/28 Friday</a:t>
+              <a:t>2020/8/30 Sunday</a:t>
             </a:fld>
             <a:endParaRPr lang="zh-CN" altLang="en-US"/>
           </a:p>
@@ -1810,7 +1816,7 @@
           <a:p>
             <a:fld id="{69B82418-4580-4E23-A80E-2AC1137F7F07}" type="datetimeFigureOut">
               <a:rPr lang="zh-CN" altLang="en-US" smtClean="0"/>
-              <a:t>2020/8/28 Friday</a:t>
+              <a:t>2020/8/30 Sunday</a:t>
             </a:fld>
             <a:endParaRPr lang="zh-CN" altLang="en-US"/>
           </a:p>
@@ -1951,7 +1957,7 @@
           <a:p>
             <a:fld id="{69B82418-4580-4E23-A80E-2AC1137F7F07}" type="datetimeFigureOut">
               <a:rPr lang="zh-CN" altLang="en-US" smtClean="0"/>
-              <a:t>2020/8/28 Friday</a:t>
+              <a:t>2020/8/30 Sunday</a:t>
             </a:fld>
             <a:endParaRPr lang="zh-CN" altLang="en-US"/>
           </a:p>
@@ -2064,7 +2070,7 @@
           <a:p>
             <a:fld id="{69B82418-4580-4E23-A80E-2AC1137F7F07}" type="datetimeFigureOut">
               <a:rPr lang="zh-CN" altLang="en-US" smtClean="0"/>
-              <a:t>2020/8/28 Friday</a:t>
+              <a:t>2020/8/30 Sunday</a:t>
             </a:fld>
             <a:endParaRPr lang="zh-CN" altLang="en-US"/>
           </a:p>
@@ -2375,7 +2381,7 @@
           <a:p>
             <a:fld id="{69B82418-4580-4E23-A80E-2AC1137F7F07}" type="datetimeFigureOut">
               <a:rPr lang="zh-CN" altLang="en-US" smtClean="0"/>
-              <a:t>2020/8/28 Friday</a:t>
+              <a:t>2020/8/30 Sunday</a:t>
             </a:fld>
             <a:endParaRPr lang="zh-CN" altLang="en-US"/>
           </a:p>
@@ -2663,7 +2669,7 @@
           <a:p>
             <a:fld id="{69B82418-4580-4E23-A80E-2AC1137F7F07}" type="datetimeFigureOut">
               <a:rPr lang="zh-CN" altLang="en-US" smtClean="0"/>
-              <a:t>2020/8/28 Friday</a:t>
+              <a:t>2020/8/30 Sunday</a:t>
             </a:fld>
             <a:endParaRPr lang="zh-CN" altLang="en-US"/>
           </a:p>
@@ -2904,7 +2910,7 @@
           <a:p>
             <a:fld id="{69B82418-4580-4E23-A80E-2AC1137F7F07}" type="datetimeFigureOut">
               <a:rPr lang="zh-CN" altLang="en-US" smtClean="0"/>
-              <a:t>2020/8/28 Friday</a:t>
+              <a:t>2020/8/30 Sunday</a:t>
             </a:fld>
             <a:endParaRPr lang="zh-CN" altLang="en-US"/>
           </a:p>
@@ -3476,6 +3482,737 @@
 </p:sld>
 </file>
 
+<file path=ppt/slides/slide2.xml><?xml version="1.0" encoding="utf-8"?>
+<p:sld xmlns:a="http://schemas.openxmlformats.org/drawingml/2006/main" xmlns:r="http://schemas.openxmlformats.org/officeDocument/2006/relationships" xmlns:p="http://schemas.openxmlformats.org/presentationml/2006/main">
+  <p:cSld>
+    <p:spTree>
+      <p:nvGrpSpPr>
+        <p:cNvPr id="1" name=""/>
+        <p:cNvGrpSpPr/>
+        <p:nvPr/>
+      </p:nvGrpSpPr>
+      <p:grpSpPr>
+        <a:xfrm>
+          <a:off x="0" y="0"/>
+          <a:ext cx="0" cy="0"/>
+          <a:chOff x="0" y="0"/>
+          <a:chExt cx="0" cy="0"/>
+        </a:xfrm>
+      </p:grpSpPr>
+      <p:grpSp>
+        <p:nvGrpSpPr>
+          <p:cNvPr id="34" name="组合 33">
+            <a:extLst>
+              <a:ext uri="{FF2B5EF4-FFF2-40B4-BE49-F238E27FC236}">
+                <a16:creationId xmlns:a16="http://schemas.microsoft.com/office/drawing/2014/main" id="{4CBA437B-F28E-45EB-A3F0-763F21A5CE2B}"/>
+              </a:ext>
+            </a:extLst>
+          </p:cNvPr>
+          <p:cNvGrpSpPr/>
+          <p:nvPr/>
+        </p:nvGrpSpPr>
+        <p:grpSpPr>
+          <a:xfrm>
+            <a:off x="4077047" y="356612"/>
+            <a:ext cx="4083105" cy="4817272"/>
+            <a:chOff x="4077047" y="356612"/>
+            <a:chExt cx="4083105" cy="4817272"/>
+          </a:xfrm>
+        </p:grpSpPr>
+        <p:sp>
+          <p:nvSpPr>
+            <p:cNvPr id="2" name="矩形 1">
+              <a:extLst>
+                <a:ext uri="{FF2B5EF4-FFF2-40B4-BE49-F238E27FC236}">
+                  <a16:creationId xmlns:a16="http://schemas.microsoft.com/office/drawing/2014/main" id="{37C2DD6F-1BCF-4175-8956-194BD0BB55B4}"/>
+                </a:ext>
+              </a:extLst>
+            </p:cNvPr>
+            <p:cNvSpPr/>
+            <p:nvPr/>
+          </p:nvSpPr>
+          <p:spPr>
+            <a:xfrm>
+              <a:off x="4272466" y="3363872"/>
+              <a:ext cx="1481305" cy="794746"/>
+            </a:xfrm>
+            <a:prstGeom prst="rect">
+              <a:avLst/>
+            </a:prstGeom>
+          </p:spPr>
+          <p:style>
+            <a:lnRef idx="1">
+              <a:schemeClr val="accent5"/>
+            </a:lnRef>
+            <a:fillRef idx="2">
+              <a:schemeClr val="accent5"/>
+            </a:fillRef>
+            <a:effectRef idx="1">
+              <a:schemeClr val="accent5"/>
+            </a:effectRef>
+            <a:fontRef idx="minor">
+              <a:schemeClr val="dk1"/>
+            </a:fontRef>
+          </p:style>
+          <p:txBody>
+            <a:bodyPr rtlCol="0" anchor="ctr"/>
+            <a:lstStyle/>
+            <a:p>
+              <a:pPr algn="ctr"/>
+              <a:r>
+                <a:rPr lang="en-US" altLang="zh-CN" sz="2000" dirty="0"/>
+                <a:t>Regression</a:t>
+              </a:r>
+              <a:endParaRPr lang="zh-CN" altLang="en-US" sz="2000" dirty="0"/>
+            </a:p>
+          </p:txBody>
+        </p:sp>
+        <p:cxnSp>
+          <p:nvCxnSpPr>
+            <p:cNvPr id="4" name="直接连接符 3">
+              <a:extLst>
+                <a:ext uri="{FF2B5EF4-FFF2-40B4-BE49-F238E27FC236}">
+                  <a16:creationId xmlns:a16="http://schemas.microsoft.com/office/drawing/2014/main" id="{737C1A95-5D41-4854-8EB9-0CB3A36A8819}"/>
+                </a:ext>
+              </a:extLst>
+            </p:cNvPr>
+            <p:cNvCxnSpPr>
+              <a:cxnSpLocks/>
+            </p:cNvCxnSpPr>
+            <p:nvPr/>
+          </p:nvCxnSpPr>
+          <p:spPr>
+            <a:xfrm>
+              <a:off x="4455582" y="935967"/>
+              <a:ext cx="2" cy="1015266"/>
+            </a:xfrm>
+            <a:prstGeom prst="line">
+              <a:avLst/>
+            </a:prstGeom>
+            <a:ln>
+              <a:tailEnd type="triangle" w="lg" len="lg"/>
+            </a:ln>
+          </p:spPr>
+          <p:style>
+            <a:lnRef idx="1">
+              <a:schemeClr val="accent1"/>
+            </a:lnRef>
+            <a:fillRef idx="0">
+              <a:schemeClr val="accent1"/>
+            </a:fillRef>
+            <a:effectRef idx="0">
+              <a:schemeClr val="accent1"/>
+            </a:effectRef>
+            <a:fontRef idx="minor">
+              <a:schemeClr val="tx1"/>
+            </a:fontRef>
+          </p:style>
+        </p:cxnSp>
+        <p:graphicFrame>
+          <p:nvGraphicFramePr>
+            <p:cNvPr id="11" name="对象 10">
+              <a:extLst>
+                <a:ext uri="{FF2B5EF4-FFF2-40B4-BE49-F238E27FC236}">
+                  <a16:creationId xmlns:a16="http://schemas.microsoft.com/office/drawing/2014/main" id="{5282F81C-FCA9-4421-B67D-47770B7D438B}"/>
+                </a:ext>
+              </a:extLst>
+            </p:cNvPr>
+            <p:cNvGraphicFramePr>
+              <a:graphicFrameLocks noChangeAspect="1"/>
+            </p:cNvGraphicFramePr>
+            <p:nvPr>
+              <p:extLst>
+                <p:ext uri="{D42A27DB-BD31-4B8C-83A1-F6EECF244321}">
+                  <p14:modId xmlns:p14="http://schemas.microsoft.com/office/powerpoint/2010/main" val="4289961445"/>
+                </p:ext>
+              </p:extLst>
+            </p:nvPr>
+          </p:nvGraphicFramePr>
+          <p:xfrm>
+            <a:off x="4081472" y="356612"/>
+            <a:ext cx="1094279" cy="363965"/>
+          </p:xfrm>
+          <a:graphic>
+            <a:graphicData uri="http://schemas.openxmlformats.org/presentationml/2006/ole">
+              <mc:AlternateContent xmlns:mc="http://schemas.openxmlformats.org/markup-compatibility/2006">
+                <mc:Choice xmlns:v="urn:schemas-microsoft-com:vml" Requires="v">
+                  <p:oleObj spid="_x0000_s1038" name="AxMath" r:id="rId3" imgW="659520" imgH="218520" progId="Equation.AxMath">
+                    <p:embed/>
+                  </p:oleObj>
+                </mc:Choice>
+                <mc:Fallback>
+                  <p:oleObj name="AxMath" r:id="rId3" imgW="659520" imgH="218520" progId="Equation.AxMath">
+                    <p:embed/>
+                    <p:pic>
+                      <p:nvPicPr>
+                        <p:cNvPr id="0" name=""/>
+                        <p:cNvPicPr/>
+                        <p:nvPr/>
+                      </p:nvPicPr>
+                      <p:blipFill>
+                        <a:blip r:embed="rId4"/>
+                        <a:stretch>
+                          <a:fillRect/>
+                        </a:stretch>
+                      </p:blipFill>
+                      <p:spPr>
+                        <a:xfrm>
+                          <a:off x="4081472" y="356612"/>
+                          <a:ext cx="1094279" cy="363965"/>
+                        </a:xfrm>
+                        <a:prstGeom prst="rect">
+                          <a:avLst/>
+                        </a:prstGeom>
+                      </p:spPr>
+                    </p:pic>
+                  </p:oleObj>
+                </mc:Fallback>
+              </mc:AlternateContent>
+            </a:graphicData>
+          </a:graphic>
+        </p:graphicFrame>
+        <p:sp>
+          <p:nvSpPr>
+            <p:cNvPr id="14" name="矩形 13">
+              <a:extLst>
+                <a:ext uri="{FF2B5EF4-FFF2-40B4-BE49-F238E27FC236}">
+                  <a16:creationId xmlns:a16="http://schemas.microsoft.com/office/drawing/2014/main" id="{277E43EC-E509-4BBE-9C1C-05B63E1DC0AD}"/>
+                </a:ext>
+              </a:extLst>
+            </p:cNvPr>
+            <p:cNvSpPr/>
+            <p:nvPr/>
+          </p:nvSpPr>
+          <p:spPr>
+            <a:xfrm>
+              <a:off x="4272466" y="1951233"/>
+              <a:ext cx="1481305" cy="794746"/>
+            </a:xfrm>
+            <a:prstGeom prst="rect">
+              <a:avLst/>
+            </a:prstGeom>
+          </p:spPr>
+          <p:style>
+            <a:lnRef idx="1">
+              <a:schemeClr val="accent5"/>
+            </a:lnRef>
+            <a:fillRef idx="2">
+              <a:schemeClr val="accent5"/>
+            </a:fillRef>
+            <a:effectRef idx="1">
+              <a:schemeClr val="accent5"/>
+            </a:effectRef>
+            <a:fontRef idx="minor">
+              <a:schemeClr val="dk1"/>
+            </a:fontRef>
+          </p:style>
+          <p:txBody>
+            <a:bodyPr rtlCol="0" anchor="ctr"/>
+            <a:lstStyle/>
+            <a:p>
+              <a:pPr algn="ctr"/>
+              <a:r>
+                <a:rPr lang="en-US" altLang="zh-CN" sz="2000" dirty="0"/>
+                <a:t>concatenate</a:t>
+              </a:r>
+              <a:endParaRPr lang="zh-CN" altLang="en-US" sz="2000" dirty="0"/>
+            </a:p>
+          </p:txBody>
+        </p:sp>
+        <p:cxnSp>
+          <p:nvCxnSpPr>
+            <p:cNvPr id="15" name="直接连接符 14">
+              <a:extLst>
+                <a:ext uri="{FF2B5EF4-FFF2-40B4-BE49-F238E27FC236}">
+                  <a16:creationId xmlns:a16="http://schemas.microsoft.com/office/drawing/2014/main" id="{EA21AF54-8053-4BF5-99EF-5A95088B38AF}"/>
+                </a:ext>
+              </a:extLst>
+            </p:cNvPr>
+            <p:cNvCxnSpPr>
+              <a:cxnSpLocks/>
+              <a:endCxn id="2" idx="0"/>
+            </p:cNvCxnSpPr>
+            <p:nvPr/>
+          </p:nvCxnSpPr>
+          <p:spPr>
+            <a:xfrm>
+              <a:off x="5013118" y="2745979"/>
+              <a:ext cx="1" cy="617893"/>
+            </a:xfrm>
+            <a:prstGeom prst="line">
+              <a:avLst/>
+            </a:prstGeom>
+            <a:ln>
+              <a:tailEnd type="triangle" w="lg" len="lg"/>
+            </a:ln>
+          </p:spPr>
+          <p:style>
+            <a:lnRef idx="1">
+              <a:schemeClr val="accent1"/>
+            </a:lnRef>
+            <a:fillRef idx="0">
+              <a:schemeClr val="accent1"/>
+            </a:fillRef>
+            <a:effectRef idx="0">
+              <a:schemeClr val="accent1"/>
+            </a:effectRef>
+            <a:fontRef idx="minor">
+              <a:schemeClr val="tx1"/>
+            </a:fontRef>
+          </p:style>
+        </p:cxnSp>
+        <p:cxnSp>
+          <p:nvCxnSpPr>
+            <p:cNvPr id="17" name="直接连接符 16">
+              <a:extLst>
+                <a:ext uri="{FF2B5EF4-FFF2-40B4-BE49-F238E27FC236}">
+                  <a16:creationId xmlns:a16="http://schemas.microsoft.com/office/drawing/2014/main" id="{96CAAC47-B5A1-4236-8AA8-496EB05A8D8D}"/>
+                </a:ext>
+              </a:extLst>
+            </p:cNvPr>
+            <p:cNvCxnSpPr>
+              <a:cxnSpLocks/>
+            </p:cNvCxnSpPr>
+            <p:nvPr/>
+          </p:nvCxnSpPr>
+          <p:spPr>
+            <a:xfrm>
+              <a:off x="5447293" y="935967"/>
+              <a:ext cx="2" cy="1015266"/>
+            </a:xfrm>
+            <a:prstGeom prst="line">
+              <a:avLst/>
+            </a:prstGeom>
+            <a:ln>
+              <a:tailEnd type="triangle" w="lg" len="lg"/>
+            </a:ln>
+          </p:spPr>
+          <p:style>
+            <a:lnRef idx="1">
+              <a:schemeClr val="accent1"/>
+            </a:lnRef>
+            <a:fillRef idx="0">
+              <a:schemeClr val="accent1"/>
+            </a:fillRef>
+            <a:effectRef idx="0">
+              <a:schemeClr val="accent1"/>
+            </a:effectRef>
+            <a:fontRef idx="minor">
+              <a:schemeClr val="tx1"/>
+            </a:fontRef>
+          </p:style>
+        </p:cxnSp>
+        <p:graphicFrame>
+          <p:nvGraphicFramePr>
+            <p:cNvPr id="19" name="对象 18">
+              <a:extLst>
+                <a:ext uri="{FF2B5EF4-FFF2-40B4-BE49-F238E27FC236}">
+                  <a16:creationId xmlns:a16="http://schemas.microsoft.com/office/drawing/2014/main" id="{25A5350A-63CF-4B8B-9031-2DA1EA94EAC9}"/>
+                </a:ext>
+              </a:extLst>
+            </p:cNvPr>
+            <p:cNvGraphicFramePr>
+              <a:graphicFrameLocks noChangeAspect="1"/>
+            </p:cNvGraphicFramePr>
+            <p:nvPr>
+              <p:extLst>
+                <p:ext uri="{D42A27DB-BD31-4B8C-83A1-F6EECF244321}">
+                  <p14:modId xmlns:p14="http://schemas.microsoft.com/office/powerpoint/2010/main" val="377955680"/>
+                </p:ext>
+              </p:extLst>
+            </p:nvPr>
+          </p:nvGraphicFramePr>
+          <p:xfrm>
+            <a:off x="5447293" y="356612"/>
+            <a:ext cx="936070" cy="363965"/>
+          </p:xfrm>
+          <a:graphic>
+            <a:graphicData uri="http://schemas.openxmlformats.org/presentationml/2006/ole">
+              <mc:AlternateContent xmlns:mc="http://schemas.openxmlformats.org/markup-compatibility/2006">
+                <mc:Choice xmlns:v="urn:schemas-microsoft-com:vml" Requires="v">
+                  <p:oleObj spid="_x0000_s1039" name="AxMath" r:id="rId5" imgW="564120" imgH="218520" progId="Equation.AxMath">
+                    <p:embed/>
+                  </p:oleObj>
+                </mc:Choice>
+                <mc:Fallback>
+                  <p:oleObj name="AxMath" r:id="rId5" imgW="564120" imgH="218520" progId="Equation.AxMath">
+                    <p:embed/>
+                    <p:pic>
+                      <p:nvPicPr>
+                        <p:cNvPr id="11" name="对象 10">
+                          <a:extLst>
+                            <a:ext uri="{FF2B5EF4-FFF2-40B4-BE49-F238E27FC236}">
+                              <a16:creationId xmlns:a16="http://schemas.microsoft.com/office/drawing/2014/main" id="{5282F81C-FCA9-4421-B67D-47770B7D438B}"/>
+                            </a:ext>
+                          </a:extLst>
+                        </p:cNvPr>
+                        <p:cNvPicPr/>
+                        <p:nvPr/>
+                      </p:nvPicPr>
+                      <p:blipFill>
+                        <a:blip r:embed="rId6"/>
+                        <a:stretch>
+                          <a:fillRect/>
+                        </a:stretch>
+                      </p:blipFill>
+                      <p:spPr>
+                        <a:xfrm>
+                          <a:off x="5447293" y="356612"/>
+                          <a:ext cx="936070" cy="363965"/>
+                        </a:xfrm>
+                        <a:prstGeom prst="rect">
+                          <a:avLst/>
+                        </a:prstGeom>
+                      </p:spPr>
+                    </p:pic>
+                  </p:oleObj>
+                </mc:Fallback>
+              </mc:AlternateContent>
+            </a:graphicData>
+          </a:graphic>
+        </p:graphicFrame>
+        <p:cxnSp>
+          <p:nvCxnSpPr>
+            <p:cNvPr id="20" name="直接连接符 19">
+              <a:extLst>
+                <a:ext uri="{FF2B5EF4-FFF2-40B4-BE49-F238E27FC236}">
+                  <a16:creationId xmlns:a16="http://schemas.microsoft.com/office/drawing/2014/main" id="{15F8FC13-0F6C-4BF9-B83A-CDDEDAE98615}"/>
+                </a:ext>
+              </a:extLst>
+            </p:cNvPr>
+            <p:cNvCxnSpPr>
+              <a:cxnSpLocks/>
+            </p:cNvCxnSpPr>
+            <p:nvPr/>
+          </p:nvCxnSpPr>
+          <p:spPr>
+            <a:xfrm>
+              <a:off x="5013117" y="4158618"/>
+              <a:ext cx="2" cy="1015266"/>
+            </a:xfrm>
+            <a:prstGeom prst="line">
+              <a:avLst/>
+            </a:prstGeom>
+            <a:ln>
+              <a:tailEnd type="triangle" w="lg" len="lg"/>
+            </a:ln>
+          </p:spPr>
+          <p:style>
+            <a:lnRef idx="1">
+              <a:schemeClr val="accent1"/>
+            </a:lnRef>
+            <a:fillRef idx="0">
+              <a:schemeClr val="accent1"/>
+            </a:fillRef>
+            <a:effectRef idx="0">
+              <a:schemeClr val="accent1"/>
+            </a:effectRef>
+            <a:fontRef idx="minor">
+              <a:schemeClr val="tx1"/>
+            </a:fontRef>
+          </p:style>
+        </p:cxnSp>
+        <p:graphicFrame>
+          <p:nvGraphicFramePr>
+            <p:cNvPr id="22" name="对象 21">
+              <a:extLst>
+                <a:ext uri="{FF2B5EF4-FFF2-40B4-BE49-F238E27FC236}">
+                  <a16:creationId xmlns:a16="http://schemas.microsoft.com/office/drawing/2014/main" id="{CE521949-E1E7-4642-8EC1-CA03AAD8E245}"/>
+                </a:ext>
+              </a:extLst>
+            </p:cNvPr>
+            <p:cNvGraphicFramePr>
+              <a:graphicFrameLocks noChangeAspect="1"/>
+            </p:cNvGraphicFramePr>
+            <p:nvPr>
+              <p:extLst>
+                <p:ext uri="{D42A27DB-BD31-4B8C-83A1-F6EECF244321}">
+                  <p14:modId xmlns:p14="http://schemas.microsoft.com/office/powerpoint/2010/main" val="1097515349"/>
+                </p:ext>
+              </p:extLst>
+            </p:nvPr>
+          </p:nvGraphicFramePr>
+          <p:xfrm>
+            <a:off x="4077047" y="4399698"/>
+            <a:ext cx="936070" cy="363965"/>
+          </p:xfrm>
+          <a:graphic>
+            <a:graphicData uri="http://schemas.openxmlformats.org/presentationml/2006/ole">
+              <mc:AlternateContent xmlns:mc="http://schemas.openxmlformats.org/markup-compatibility/2006">
+                <mc:Choice xmlns:v="urn:schemas-microsoft-com:vml" Requires="v">
+                  <p:oleObj spid="_x0000_s1040" name="AxMath" r:id="rId7" imgW="564120" imgH="218520" progId="Equation.AxMath">
+                    <p:embed/>
+                  </p:oleObj>
+                </mc:Choice>
+                <mc:Fallback>
+                  <p:oleObj name="AxMath" r:id="rId7" imgW="564120" imgH="218520" progId="Equation.AxMath">
+                    <p:embed/>
+                    <p:pic>
+                      <p:nvPicPr>
+                        <p:cNvPr id="19" name="对象 18">
+                          <a:extLst>
+                            <a:ext uri="{FF2B5EF4-FFF2-40B4-BE49-F238E27FC236}">
+                              <a16:creationId xmlns:a16="http://schemas.microsoft.com/office/drawing/2014/main" id="{25A5350A-63CF-4B8B-9031-2DA1EA94EAC9}"/>
+                            </a:ext>
+                          </a:extLst>
+                        </p:cNvPr>
+                        <p:cNvPicPr/>
+                        <p:nvPr/>
+                      </p:nvPicPr>
+                      <p:blipFill>
+                        <a:blip r:embed="rId6"/>
+                        <a:stretch>
+                          <a:fillRect/>
+                        </a:stretch>
+                      </p:blipFill>
+                      <p:spPr>
+                        <a:xfrm>
+                          <a:off x="4077047" y="4399698"/>
+                          <a:ext cx="936070" cy="363965"/>
+                        </a:xfrm>
+                        <a:prstGeom prst="rect">
+                          <a:avLst/>
+                        </a:prstGeom>
+                      </p:spPr>
+                    </p:pic>
+                  </p:oleObj>
+                </mc:Fallback>
+              </mc:AlternateContent>
+            </a:graphicData>
+          </a:graphic>
+        </p:graphicFrame>
+        <p:cxnSp>
+          <p:nvCxnSpPr>
+            <p:cNvPr id="24" name="直接连接符 23">
+              <a:extLst>
+                <a:ext uri="{FF2B5EF4-FFF2-40B4-BE49-F238E27FC236}">
+                  <a16:creationId xmlns:a16="http://schemas.microsoft.com/office/drawing/2014/main" id="{DD2B1757-63B2-4007-AEF2-018E57CC456A}"/>
+                </a:ext>
+              </a:extLst>
+            </p:cNvPr>
+            <p:cNvCxnSpPr>
+              <a:cxnSpLocks/>
+            </p:cNvCxnSpPr>
+            <p:nvPr/>
+          </p:nvCxnSpPr>
+          <p:spPr>
+            <a:xfrm>
+              <a:off x="5013117" y="5173884"/>
+              <a:ext cx="1647454" cy="0"/>
+            </a:xfrm>
+            <a:prstGeom prst="line">
+              <a:avLst/>
+            </a:prstGeom>
+          </p:spPr>
+          <p:style>
+            <a:lnRef idx="1">
+              <a:schemeClr val="accent1"/>
+            </a:lnRef>
+            <a:fillRef idx="0">
+              <a:schemeClr val="accent1"/>
+            </a:fillRef>
+            <a:effectRef idx="0">
+              <a:schemeClr val="accent1"/>
+            </a:effectRef>
+            <a:fontRef idx="minor">
+              <a:schemeClr val="tx1"/>
+            </a:fontRef>
+          </p:style>
+        </p:cxnSp>
+        <p:cxnSp>
+          <p:nvCxnSpPr>
+            <p:cNvPr id="26" name="直接连接符 25">
+              <a:extLst>
+                <a:ext uri="{FF2B5EF4-FFF2-40B4-BE49-F238E27FC236}">
+                  <a16:creationId xmlns:a16="http://schemas.microsoft.com/office/drawing/2014/main" id="{8129A516-C217-456C-A7E0-AEE4EE6DB863}"/>
+                </a:ext>
+              </a:extLst>
+            </p:cNvPr>
+            <p:cNvCxnSpPr/>
+            <p:nvPr/>
+          </p:nvCxnSpPr>
+          <p:spPr>
+            <a:xfrm flipV="1">
+              <a:off x="6660571" y="1443600"/>
+              <a:ext cx="0" cy="3730284"/>
+            </a:xfrm>
+            <a:prstGeom prst="line">
+              <a:avLst/>
+            </a:prstGeom>
+          </p:spPr>
+          <p:style>
+            <a:lnRef idx="1">
+              <a:schemeClr val="accent1"/>
+            </a:lnRef>
+            <a:fillRef idx="0">
+              <a:schemeClr val="accent1"/>
+            </a:fillRef>
+            <a:effectRef idx="0">
+              <a:schemeClr val="accent1"/>
+            </a:effectRef>
+            <a:fontRef idx="minor">
+              <a:schemeClr val="tx1"/>
+            </a:fontRef>
+          </p:style>
+        </p:cxnSp>
+        <p:cxnSp>
+          <p:nvCxnSpPr>
+            <p:cNvPr id="28" name="直接连接符 27">
+              <a:extLst>
+                <a:ext uri="{FF2B5EF4-FFF2-40B4-BE49-F238E27FC236}">
+                  <a16:creationId xmlns:a16="http://schemas.microsoft.com/office/drawing/2014/main" id="{7AF55191-B24E-49BE-ADD7-F1E6F3F4CF44}"/>
+                </a:ext>
+              </a:extLst>
+            </p:cNvPr>
+            <p:cNvCxnSpPr/>
+            <p:nvPr/>
+          </p:nvCxnSpPr>
+          <p:spPr>
+            <a:xfrm flipH="1">
+              <a:off x="5447293" y="1443600"/>
+              <a:ext cx="1213278" cy="0"/>
+            </a:xfrm>
+            <a:prstGeom prst="line">
+              <a:avLst/>
+            </a:prstGeom>
+            <a:ln>
+              <a:tailEnd type="triangle" w="lg" len="lg"/>
+            </a:ln>
+          </p:spPr>
+          <p:style>
+            <a:lnRef idx="1">
+              <a:schemeClr val="accent1"/>
+            </a:lnRef>
+            <a:fillRef idx="0">
+              <a:schemeClr val="accent1"/>
+            </a:fillRef>
+            <a:effectRef idx="0">
+              <a:schemeClr val="accent1"/>
+            </a:effectRef>
+            <a:fontRef idx="minor">
+              <a:schemeClr val="tx1"/>
+            </a:fontRef>
+          </p:style>
+        </p:cxnSp>
+        <p:sp>
+          <p:nvSpPr>
+            <p:cNvPr id="30" name="文本框 29">
+              <a:extLst>
+                <a:ext uri="{FF2B5EF4-FFF2-40B4-BE49-F238E27FC236}">
+                  <a16:creationId xmlns:a16="http://schemas.microsoft.com/office/drawing/2014/main" id="{654CD739-FD8B-4BC1-97EA-F803F231E99F}"/>
+                </a:ext>
+              </a:extLst>
+            </p:cNvPr>
+            <p:cNvSpPr txBox="1"/>
+            <p:nvPr/>
+          </p:nvSpPr>
+          <p:spPr>
+            <a:xfrm>
+              <a:off x="6747086" y="2908804"/>
+              <a:ext cx="1413066" cy="332366"/>
+            </a:xfrm>
+            <a:prstGeom prst="rect">
+              <a:avLst/>
+            </a:prstGeom>
+            <a:noFill/>
+          </p:spPr>
+          <p:txBody>
+            <a:bodyPr wrap="square" rtlCol="0">
+              <a:spAutoFit/>
+            </a:bodyPr>
+            <a:lstStyle/>
+            <a:p>
+              <a:r>
+                <a:rPr lang="en-US" altLang="zh-CN" sz="2000" dirty="0"/>
+                <a:t>iterate</a:t>
+              </a:r>
+              <a:endParaRPr lang="zh-CN" altLang="en-US" sz="2000" dirty="0"/>
+            </a:p>
+          </p:txBody>
+        </p:sp>
+        <p:graphicFrame>
+          <p:nvGraphicFramePr>
+            <p:cNvPr id="33" name="对象 32">
+              <a:extLst>
+                <a:ext uri="{FF2B5EF4-FFF2-40B4-BE49-F238E27FC236}">
+                  <a16:creationId xmlns:a16="http://schemas.microsoft.com/office/drawing/2014/main" id="{DBF0471D-C368-4A48-AF2D-086421F6C854}"/>
+                </a:ext>
+              </a:extLst>
+            </p:cNvPr>
+            <p:cNvGraphicFramePr>
+              <a:graphicFrameLocks noChangeAspect="1"/>
+            </p:cNvGraphicFramePr>
+            <p:nvPr>
+              <p:extLst>
+                <p:ext uri="{D42A27DB-BD31-4B8C-83A1-F6EECF244321}">
+                  <p14:modId xmlns:p14="http://schemas.microsoft.com/office/powerpoint/2010/main" val="1130147199"/>
+                </p:ext>
+              </p:extLst>
+            </p:nvPr>
+          </p:nvGraphicFramePr>
+          <p:xfrm>
+            <a:off x="4593216" y="2747581"/>
+            <a:ext cx="372253" cy="596700"/>
+          </p:xfrm>
+          <a:graphic>
+            <a:graphicData uri="http://schemas.openxmlformats.org/presentationml/2006/ole">
+              <mc:AlternateContent xmlns:mc="http://schemas.openxmlformats.org/markup-compatibility/2006">
+                <mc:Choice xmlns:v="urn:schemas-microsoft-com:vml" Requires="v">
+                  <p:oleObj spid="_x0000_s1041" name="AxMath" r:id="rId8" imgW="130680" imgH="207360" progId="Equation.AxMath">
+                    <p:embed/>
+                  </p:oleObj>
+                </mc:Choice>
+                <mc:Fallback>
+                  <p:oleObj name="AxMath" r:id="rId8" imgW="130680" imgH="207360" progId="Equation.AxMath">
+                    <p:embed/>
+                    <p:pic>
+                      <p:nvPicPr>
+                        <p:cNvPr id="19" name="对象 18">
+                          <a:extLst>
+                            <a:ext uri="{FF2B5EF4-FFF2-40B4-BE49-F238E27FC236}">
+                              <a16:creationId xmlns:a16="http://schemas.microsoft.com/office/drawing/2014/main" id="{25A5350A-63CF-4B8B-9031-2DA1EA94EAC9}"/>
+                            </a:ext>
+                          </a:extLst>
+                        </p:cNvPr>
+                        <p:cNvPicPr/>
+                        <p:nvPr/>
+                      </p:nvPicPr>
+                      <p:blipFill>
+                        <a:blip r:embed="rId9"/>
+                        <a:stretch>
+                          <a:fillRect/>
+                        </a:stretch>
+                      </p:blipFill>
+                      <p:spPr>
+                        <a:xfrm>
+                          <a:off x="4593216" y="2747581"/>
+                          <a:ext cx="372253" cy="596700"/>
+                        </a:xfrm>
+                        <a:prstGeom prst="rect">
+                          <a:avLst/>
+                        </a:prstGeom>
+                      </p:spPr>
+                    </p:pic>
+                  </p:oleObj>
+                </mc:Fallback>
+              </mc:AlternateContent>
+            </a:graphicData>
+          </a:graphic>
+        </p:graphicFrame>
+      </p:grpSp>
+    </p:spTree>
+    <p:extLst>
+      <p:ext uri="{BB962C8B-B14F-4D97-AF65-F5344CB8AC3E}">
+        <p14:creationId xmlns:p14="http://schemas.microsoft.com/office/powerpoint/2010/main" val="3886701813"/>
+      </p:ext>
+    </p:extLst>
+  </p:cSld>
+  <p:clrMapOvr>
+    <a:masterClrMapping/>
+  </p:clrMapOvr>
+</p:sld>
+</file>
+
 <file path=ppt/theme/theme1.xml><?xml version="1.0" encoding="utf-8"?>
 <a:theme xmlns:a="http://schemas.openxmlformats.org/drawingml/2006/main" name="Office 主题​​">
   <a:themeElements>

--- a/视频人体动捕技术/imgs/edit.pptx
+++ b/视频人体动捕技术/imgs/edit.pptx
@@ -7,6 +7,7 @@
   <p:sldIdLst>
     <p:sldId id="256" r:id="rId2"/>
     <p:sldId id="257" r:id="rId3"/>
+    <p:sldId id="258" r:id="rId4"/>
   </p:sldIdLst>
   <p:sldSz cx="12192000" cy="6858000"/>
   <p:notesSz cx="6858000" cy="9144000"/>
@@ -3636,7 +3637,7 @@
             <a:graphicData uri="http://schemas.openxmlformats.org/presentationml/2006/ole">
               <mc:AlternateContent xmlns:mc="http://schemas.openxmlformats.org/markup-compatibility/2006">
                 <mc:Choice xmlns:v="urn:schemas-microsoft-com:vml" Requires="v">
-                  <p:oleObj spid="_x0000_s1038" name="AxMath" r:id="rId3" imgW="659520" imgH="218520" progId="Equation.AxMath">
+                  <p:oleObj spid="_x0000_s1046" name="AxMath" r:id="rId3" imgW="659520" imgH="218520" progId="Equation.AxMath">
                     <p:embed/>
                   </p:oleObj>
                 </mc:Choice>
@@ -3830,7 +3831,7 @@
             <a:graphicData uri="http://schemas.openxmlformats.org/presentationml/2006/ole">
               <mc:AlternateContent xmlns:mc="http://schemas.openxmlformats.org/markup-compatibility/2006">
                 <mc:Choice xmlns:v="urn:schemas-microsoft-com:vml" Requires="v">
-                  <p:oleObj spid="_x0000_s1039" name="AxMath" r:id="rId5" imgW="564120" imgH="218520" progId="Equation.AxMath">
+                  <p:oleObj spid="_x0000_s1047" name="AxMath" r:id="rId5" imgW="564120" imgH="218520" progId="Equation.AxMath">
                     <p:embed/>
                   </p:oleObj>
                 </mc:Choice>
@@ -3940,7 +3941,7 @@
             <a:graphicData uri="http://schemas.openxmlformats.org/presentationml/2006/ole">
               <mc:AlternateContent xmlns:mc="http://schemas.openxmlformats.org/markup-compatibility/2006">
                 <mc:Choice xmlns:v="urn:schemas-microsoft-com:vml" Requires="v">
-                  <p:oleObj spid="_x0000_s1040" name="AxMath" r:id="rId7" imgW="564120" imgH="218520" progId="Equation.AxMath">
+                  <p:oleObj spid="_x0000_s1048" name="AxMath" r:id="rId7" imgW="564120" imgH="218520" progId="Equation.AxMath">
                     <p:embed/>
                   </p:oleObj>
                 </mc:Choice>
@@ -4158,7 +4159,7 @@
             <a:graphicData uri="http://schemas.openxmlformats.org/presentationml/2006/ole">
               <mc:AlternateContent xmlns:mc="http://schemas.openxmlformats.org/markup-compatibility/2006">
                 <mc:Choice xmlns:v="urn:schemas-microsoft-com:vml" Requires="v">
-                  <p:oleObj spid="_x0000_s1041" name="AxMath" r:id="rId8" imgW="130680" imgH="207360" progId="Equation.AxMath">
+                  <p:oleObj spid="_x0000_s1049" name="AxMath" r:id="rId8" imgW="130680" imgH="207360" progId="Equation.AxMath">
                     <p:embed/>
                   </p:oleObj>
                 </mc:Choice>
@@ -4204,6 +4205,904 @@
     <p:extLst>
       <p:ext uri="{BB962C8B-B14F-4D97-AF65-F5344CB8AC3E}">
         <p14:creationId xmlns:p14="http://schemas.microsoft.com/office/powerpoint/2010/main" val="3886701813"/>
+      </p:ext>
+    </p:extLst>
+  </p:cSld>
+  <p:clrMapOvr>
+    <a:masterClrMapping/>
+  </p:clrMapOvr>
+</p:sld>
+</file>
+
+<file path=ppt/slides/slide3.xml><?xml version="1.0" encoding="utf-8"?>
+<p:sld xmlns:a="http://schemas.openxmlformats.org/drawingml/2006/main" xmlns:r="http://schemas.openxmlformats.org/officeDocument/2006/relationships" xmlns:p="http://schemas.openxmlformats.org/presentationml/2006/main">
+  <p:cSld>
+    <p:spTree>
+      <p:nvGrpSpPr>
+        <p:cNvPr id="1" name=""/>
+        <p:cNvGrpSpPr/>
+        <p:nvPr/>
+      </p:nvGrpSpPr>
+      <p:grpSpPr>
+        <a:xfrm>
+          <a:off x="0" y="0"/>
+          <a:ext cx="0" cy="0"/>
+          <a:chOff x="0" y="0"/>
+          <a:chExt cx="0" cy="0"/>
+        </a:xfrm>
+      </p:grpSpPr>
+      <p:grpSp>
+        <p:nvGrpSpPr>
+          <p:cNvPr id="59" name="组合 58">
+            <a:extLst>
+              <a:ext uri="{FF2B5EF4-FFF2-40B4-BE49-F238E27FC236}">
+                <a16:creationId xmlns:a16="http://schemas.microsoft.com/office/drawing/2014/main" id="{73D5BC22-7C97-4DE3-B2C6-38C569EAADA9}"/>
+              </a:ext>
+            </a:extLst>
+          </p:cNvPr>
+          <p:cNvGrpSpPr/>
+          <p:nvPr/>
+        </p:nvGrpSpPr>
+        <p:grpSpPr>
+          <a:xfrm>
+            <a:off x="153143" y="1738524"/>
+            <a:ext cx="11885714" cy="4289743"/>
+            <a:chOff x="153143" y="1738524"/>
+            <a:chExt cx="11885714" cy="4289743"/>
+          </a:xfrm>
+        </p:grpSpPr>
+        <p:pic>
+          <p:nvPicPr>
+            <p:cNvPr id="5" name="图片 4">
+              <a:extLst>
+                <a:ext uri="{FF2B5EF4-FFF2-40B4-BE49-F238E27FC236}">
+                  <a16:creationId xmlns:a16="http://schemas.microsoft.com/office/drawing/2014/main" id="{D8ACEBDA-5A88-4D8A-B486-757B1B57FE91}"/>
+                </a:ext>
+              </a:extLst>
+            </p:cNvPr>
+            <p:cNvPicPr>
+              <a:picLocks noChangeAspect="1"/>
+            </p:cNvPicPr>
+            <p:nvPr/>
+          </p:nvPicPr>
+          <p:blipFill>
+            <a:blip r:embed="rId2">
+              <a:extLst>
+                <a:ext uri="{28A0092B-C50C-407E-A947-70E740481C1C}">
+                  <a14:useLocalDpi xmlns:a14="http://schemas.microsoft.com/office/drawing/2010/main" val="0"/>
+                </a:ext>
+              </a:extLst>
+            </a:blip>
+            <a:stretch>
+              <a:fillRect/>
+            </a:stretch>
+          </p:blipFill>
+          <p:spPr>
+            <a:xfrm>
+              <a:off x="153143" y="1738524"/>
+              <a:ext cx="11885714" cy="3380952"/>
+            </a:xfrm>
+            <a:prstGeom prst="rect">
+              <a:avLst/>
+            </a:prstGeom>
+          </p:spPr>
+        </p:pic>
+        <p:sp>
+          <p:nvSpPr>
+            <p:cNvPr id="6" name="椭圆 5">
+              <a:extLst>
+                <a:ext uri="{FF2B5EF4-FFF2-40B4-BE49-F238E27FC236}">
+                  <a16:creationId xmlns:a16="http://schemas.microsoft.com/office/drawing/2014/main" id="{E68320FF-5519-44C0-BEB4-40103D3AC011}"/>
+                </a:ext>
+              </a:extLst>
+            </p:cNvPr>
+            <p:cNvSpPr/>
+            <p:nvPr/>
+          </p:nvSpPr>
+          <p:spPr>
+            <a:xfrm>
+              <a:off x="842963" y="2757488"/>
+              <a:ext cx="47625" cy="57150"/>
+            </a:xfrm>
+            <a:prstGeom prst="ellipse">
+              <a:avLst/>
+            </a:prstGeom>
+          </p:spPr>
+          <p:style>
+            <a:lnRef idx="2">
+              <a:schemeClr val="accent2">
+                <a:shade val="50000"/>
+              </a:schemeClr>
+            </a:lnRef>
+            <a:fillRef idx="1">
+              <a:schemeClr val="accent2"/>
+            </a:fillRef>
+            <a:effectRef idx="0">
+              <a:schemeClr val="accent2"/>
+            </a:effectRef>
+            <a:fontRef idx="minor">
+              <a:schemeClr val="lt1"/>
+            </a:fontRef>
+          </p:style>
+          <p:txBody>
+            <a:bodyPr rtlCol="0" anchor="ctr"/>
+            <a:lstStyle/>
+            <a:p>
+              <a:pPr algn="ctr"/>
+              <a:endParaRPr lang="zh-CN" altLang="en-US"/>
+            </a:p>
+          </p:txBody>
+        </p:sp>
+        <p:sp>
+          <p:nvSpPr>
+            <p:cNvPr id="7" name="椭圆 6">
+              <a:extLst>
+                <a:ext uri="{FF2B5EF4-FFF2-40B4-BE49-F238E27FC236}">
+                  <a16:creationId xmlns:a16="http://schemas.microsoft.com/office/drawing/2014/main" id="{C66BF925-97C1-48E0-855F-B7642E301491}"/>
+                </a:ext>
+              </a:extLst>
+            </p:cNvPr>
+            <p:cNvSpPr/>
+            <p:nvPr/>
+          </p:nvSpPr>
+          <p:spPr>
+            <a:xfrm>
+              <a:off x="1042988" y="3014663"/>
+              <a:ext cx="47625" cy="57150"/>
+            </a:xfrm>
+            <a:prstGeom prst="ellipse">
+              <a:avLst/>
+            </a:prstGeom>
+          </p:spPr>
+          <p:style>
+            <a:lnRef idx="2">
+              <a:schemeClr val="accent2">
+                <a:shade val="50000"/>
+              </a:schemeClr>
+            </a:lnRef>
+            <a:fillRef idx="1">
+              <a:schemeClr val="accent2"/>
+            </a:fillRef>
+            <a:effectRef idx="0">
+              <a:schemeClr val="accent2"/>
+            </a:effectRef>
+            <a:fontRef idx="minor">
+              <a:schemeClr val="lt1"/>
+            </a:fontRef>
+          </p:style>
+          <p:txBody>
+            <a:bodyPr rtlCol="0" anchor="ctr"/>
+            <a:lstStyle/>
+            <a:p>
+              <a:pPr algn="ctr"/>
+              <a:endParaRPr lang="zh-CN" altLang="en-US"/>
+            </a:p>
+          </p:txBody>
+        </p:sp>
+        <p:sp>
+          <p:nvSpPr>
+            <p:cNvPr id="8" name="椭圆 7">
+              <a:extLst>
+                <a:ext uri="{FF2B5EF4-FFF2-40B4-BE49-F238E27FC236}">
+                  <a16:creationId xmlns:a16="http://schemas.microsoft.com/office/drawing/2014/main" id="{F1724A95-A536-4395-A2B0-876291DE6926}"/>
+                </a:ext>
+              </a:extLst>
+            </p:cNvPr>
+            <p:cNvSpPr/>
+            <p:nvPr/>
+          </p:nvSpPr>
+          <p:spPr>
+            <a:xfrm>
+              <a:off x="1228726" y="3252788"/>
+              <a:ext cx="47625" cy="57150"/>
+            </a:xfrm>
+            <a:prstGeom prst="ellipse">
+              <a:avLst/>
+            </a:prstGeom>
+          </p:spPr>
+          <p:style>
+            <a:lnRef idx="2">
+              <a:schemeClr val="accent2">
+                <a:shade val="50000"/>
+              </a:schemeClr>
+            </a:lnRef>
+            <a:fillRef idx="1">
+              <a:schemeClr val="accent2"/>
+            </a:fillRef>
+            <a:effectRef idx="0">
+              <a:schemeClr val="accent2"/>
+            </a:effectRef>
+            <a:fontRef idx="minor">
+              <a:schemeClr val="lt1"/>
+            </a:fontRef>
+          </p:style>
+          <p:txBody>
+            <a:bodyPr rtlCol="0" anchor="ctr"/>
+            <a:lstStyle/>
+            <a:p>
+              <a:pPr algn="ctr"/>
+              <a:endParaRPr lang="zh-CN" altLang="en-US"/>
+            </a:p>
+          </p:txBody>
+        </p:sp>
+        <p:sp>
+          <p:nvSpPr>
+            <p:cNvPr id="9" name="椭圆 8">
+              <a:extLst>
+                <a:ext uri="{FF2B5EF4-FFF2-40B4-BE49-F238E27FC236}">
+                  <a16:creationId xmlns:a16="http://schemas.microsoft.com/office/drawing/2014/main" id="{C1D5A4F8-F283-44B9-BA04-A7B28EB57B2F}"/>
+                </a:ext>
+              </a:extLst>
+            </p:cNvPr>
+            <p:cNvSpPr/>
+            <p:nvPr/>
+          </p:nvSpPr>
+          <p:spPr>
+            <a:xfrm>
+              <a:off x="900113" y="3252788"/>
+              <a:ext cx="47625" cy="57150"/>
+            </a:xfrm>
+            <a:prstGeom prst="ellipse">
+              <a:avLst/>
+            </a:prstGeom>
+          </p:spPr>
+          <p:style>
+            <a:lnRef idx="2">
+              <a:schemeClr val="accent2">
+                <a:shade val="50000"/>
+              </a:schemeClr>
+            </a:lnRef>
+            <a:fillRef idx="1">
+              <a:schemeClr val="accent2"/>
+            </a:fillRef>
+            <a:effectRef idx="0">
+              <a:schemeClr val="accent2"/>
+            </a:effectRef>
+            <a:fontRef idx="minor">
+              <a:schemeClr val="lt1"/>
+            </a:fontRef>
+          </p:style>
+          <p:txBody>
+            <a:bodyPr rtlCol="0" anchor="ctr"/>
+            <a:lstStyle/>
+            <a:p>
+              <a:pPr algn="ctr"/>
+              <a:endParaRPr lang="zh-CN" altLang="en-US"/>
+            </a:p>
+          </p:txBody>
+        </p:sp>
+        <p:sp>
+          <p:nvSpPr>
+            <p:cNvPr id="10" name="椭圆 9">
+              <a:extLst>
+                <a:ext uri="{FF2B5EF4-FFF2-40B4-BE49-F238E27FC236}">
+                  <a16:creationId xmlns:a16="http://schemas.microsoft.com/office/drawing/2014/main" id="{639C9A9B-940C-41E0-AC81-9B116A0754AD}"/>
+                </a:ext>
+              </a:extLst>
+            </p:cNvPr>
+            <p:cNvSpPr/>
+            <p:nvPr/>
+          </p:nvSpPr>
+          <p:spPr>
+            <a:xfrm>
+              <a:off x="1042988" y="3600450"/>
+              <a:ext cx="47625" cy="57150"/>
+            </a:xfrm>
+            <a:prstGeom prst="ellipse">
+              <a:avLst/>
+            </a:prstGeom>
+          </p:spPr>
+          <p:style>
+            <a:lnRef idx="2">
+              <a:schemeClr val="accent2">
+                <a:shade val="50000"/>
+              </a:schemeClr>
+            </a:lnRef>
+            <a:fillRef idx="1">
+              <a:schemeClr val="accent2"/>
+            </a:fillRef>
+            <a:effectRef idx="0">
+              <a:schemeClr val="accent2"/>
+            </a:effectRef>
+            <a:fontRef idx="minor">
+              <a:schemeClr val="lt1"/>
+            </a:fontRef>
+          </p:style>
+          <p:txBody>
+            <a:bodyPr rtlCol="0" anchor="ctr"/>
+            <a:lstStyle/>
+            <a:p>
+              <a:pPr algn="ctr"/>
+              <a:endParaRPr lang="zh-CN" altLang="en-US"/>
+            </a:p>
+          </p:txBody>
+        </p:sp>
+        <p:sp>
+          <p:nvSpPr>
+            <p:cNvPr id="12" name="椭圆 11">
+              <a:extLst>
+                <a:ext uri="{FF2B5EF4-FFF2-40B4-BE49-F238E27FC236}">
+                  <a16:creationId xmlns:a16="http://schemas.microsoft.com/office/drawing/2014/main" id="{E7CAFA06-31B4-4E3E-A80F-62B097D689A2}"/>
+                </a:ext>
+              </a:extLst>
+            </p:cNvPr>
+            <p:cNvSpPr/>
+            <p:nvPr/>
+          </p:nvSpPr>
+          <p:spPr>
+            <a:xfrm>
+              <a:off x="1181101" y="4105170"/>
+              <a:ext cx="47625" cy="57150"/>
+            </a:xfrm>
+            <a:prstGeom prst="ellipse">
+              <a:avLst/>
+            </a:prstGeom>
+          </p:spPr>
+          <p:style>
+            <a:lnRef idx="2">
+              <a:schemeClr val="accent2">
+                <a:shade val="50000"/>
+              </a:schemeClr>
+            </a:lnRef>
+            <a:fillRef idx="1">
+              <a:schemeClr val="accent2"/>
+            </a:fillRef>
+            <a:effectRef idx="0">
+              <a:schemeClr val="accent2"/>
+            </a:effectRef>
+            <a:fontRef idx="minor">
+              <a:schemeClr val="lt1"/>
+            </a:fontRef>
+          </p:style>
+          <p:txBody>
+            <a:bodyPr rtlCol="0" anchor="ctr"/>
+            <a:lstStyle/>
+            <a:p>
+              <a:pPr algn="ctr"/>
+              <a:endParaRPr lang="zh-CN" altLang="en-US"/>
+            </a:p>
+          </p:txBody>
+        </p:sp>
+        <p:sp>
+          <p:nvSpPr>
+            <p:cNvPr id="13" name="椭圆 12">
+              <a:extLst>
+                <a:ext uri="{FF2B5EF4-FFF2-40B4-BE49-F238E27FC236}">
+                  <a16:creationId xmlns:a16="http://schemas.microsoft.com/office/drawing/2014/main" id="{3EC7FE5C-2EAB-49DB-9DBE-03A72B23D071}"/>
+                </a:ext>
+              </a:extLst>
+            </p:cNvPr>
+            <p:cNvSpPr/>
+            <p:nvPr/>
+          </p:nvSpPr>
+          <p:spPr>
+            <a:xfrm>
+              <a:off x="947738" y="4128982"/>
+              <a:ext cx="47625" cy="57150"/>
+            </a:xfrm>
+            <a:prstGeom prst="ellipse">
+              <a:avLst/>
+            </a:prstGeom>
+          </p:spPr>
+          <p:style>
+            <a:lnRef idx="2">
+              <a:schemeClr val="accent2">
+                <a:shade val="50000"/>
+              </a:schemeClr>
+            </a:lnRef>
+            <a:fillRef idx="1">
+              <a:schemeClr val="accent2"/>
+            </a:fillRef>
+            <a:effectRef idx="0">
+              <a:schemeClr val="accent2"/>
+            </a:effectRef>
+            <a:fontRef idx="minor">
+              <a:schemeClr val="lt1"/>
+            </a:fontRef>
+          </p:style>
+          <p:txBody>
+            <a:bodyPr rtlCol="0" anchor="ctr"/>
+            <a:lstStyle/>
+            <a:p>
+              <a:pPr algn="ctr"/>
+              <a:endParaRPr lang="zh-CN" altLang="en-US"/>
+            </a:p>
+          </p:txBody>
+        </p:sp>
+        <p:sp>
+          <p:nvSpPr>
+            <p:cNvPr id="16" name="椭圆 15">
+              <a:extLst>
+                <a:ext uri="{FF2B5EF4-FFF2-40B4-BE49-F238E27FC236}">
+                  <a16:creationId xmlns:a16="http://schemas.microsoft.com/office/drawing/2014/main" id="{F127F495-98F2-4105-B743-9394B1BE48C8}"/>
+                </a:ext>
+              </a:extLst>
+            </p:cNvPr>
+            <p:cNvSpPr/>
+            <p:nvPr/>
+          </p:nvSpPr>
+          <p:spPr>
+            <a:xfrm>
+              <a:off x="747713" y="3609975"/>
+              <a:ext cx="47625" cy="57150"/>
+            </a:xfrm>
+            <a:prstGeom prst="ellipse">
+              <a:avLst/>
+            </a:prstGeom>
+          </p:spPr>
+          <p:style>
+            <a:lnRef idx="2">
+              <a:schemeClr val="accent2">
+                <a:shade val="50000"/>
+              </a:schemeClr>
+            </a:lnRef>
+            <a:fillRef idx="1">
+              <a:schemeClr val="accent2"/>
+            </a:fillRef>
+            <a:effectRef idx="0">
+              <a:schemeClr val="accent2"/>
+            </a:effectRef>
+            <a:fontRef idx="minor">
+              <a:schemeClr val="lt1"/>
+            </a:fontRef>
+          </p:style>
+          <p:txBody>
+            <a:bodyPr rtlCol="0" anchor="ctr"/>
+            <a:lstStyle/>
+            <a:p>
+              <a:pPr algn="ctr"/>
+              <a:endParaRPr lang="zh-CN" altLang="en-US"/>
+            </a:p>
+          </p:txBody>
+        </p:sp>
+        <p:sp>
+          <p:nvSpPr>
+            <p:cNvPr id="18" name="椭圆 17">
+              <a:extLst>
+                <a:ext uri="{FF2B5EF4-FFF2-40B4-BE49-F238E27FC236}">
+                  <a16:creationId xmlns:a16="http://schemas.microsoft.com/office/drawing/2014/main" id="{A475A567-7221-40E1-B4F0-1AF275527ABE}"/>
+                </a:ext>
+              </a:extLst>
+            </p:cNvPr>
+            <p:cNvSpPr/>
+            <p:nvPr/>
+          </p:nvSpPr>
+          <p:spPr>
+            <a:xfrm>
+              <a:off x="762000" y="4057545"/>
+              <a:ext cx="47625" cy="57150"/>
+            </a:xfrm>
+            <a:prstGeom prst="ellipse">
+              <a:avLst/>
+            </a:prstGeom>
+          </p:spPr>
+          <p:style>
+            <a:lnRef idx="2">
+              <a:schemeClr val="accent2">
+                <a:shade val="50000"/>
+              </a:schemeClr>
+            </a:lnRef>
+            <a:fillRef idx="1">
+              <a:schemeClr val="accent2"/>
+            </a:fillRef>
+            <a:effectRef idx="0">
+              <a:schemeClr val="accent2"/>
+            </a:effectRef>
+            <a:fontRef idx="minor">
+              <a:schemeClr val="lt1"/>
+            </a:fontRef>
+          </p:style>
+          <p:txBody>
+            <a:bodyPr rtlCol="0" anchor="ctr"/>
+            <a:lstStyle/>
+            <a:p>
+              <a:pPr algn="ctr"/>
+              <a:endParaRPr lang="zh-CN" altLang="en-US"/>
+            </a:p>
+          </p:txBody>
+        </p:sp>
+        <p:sp>
+          <p:nvSpPr>
+            <p:cNvPr id="37" name="椭圆 36">
+              <a:extLst>
+                <a:ext uri="{FF2B5EF4-FFF2-40B4-BE49-F238E27FC236}">
+                  <a16:creationId xmlns:a16="http://schemas.microsoft.com/office/drawing/2014/main" id="{254B43AB-0439-475B-8A4F-075C2CE185CF}"/>
+                </a:ext>
+              </a:extLst>
+            </p:cNvPr>
+            <p:cNvSpPr/>
+            <p:nvPr/>
+          </p:nvSpPr>
+          <p:spPr>
+            <a:xfrm>
+              <a:off x="876300" y="4548188"/>
+              <a:ext cx="47625" cy="57150"/>
+            </a:xfrm>
+            <a:prstGeom prst="ellipse">
+              <a:avLst/>
+            </a:prstGeom>
+          </p:spPr>
+          <p:style>
+            <a:lnRef idx="2">
+              <a:schemeClr val="accent2">
+                <a:shade val="50000"/>
+              </a:schemeClr>
+            </a:lnRef>
+            <a:fillRef idx="1">
+              <a:schemeClr val="accent2"/>
+            </a:fillRef>
+            <a:effectRef idx="0">
+              <a:schemeClr val="accent2"/>
+            </a:effectRef>
+            <a:fontRef idx="minor">
+              <a:schemeClr val="lt1"/>
+            </a:fontRef>
+          </p:style>
+          <p:txBody>
+            <a:bodyPr rtlCol="0" anchor="ctr"/>
+            <a:lstStyle/>
+            <a:p>
+              <a:pPr algn="ctr"/>
+              <a:endParaRPr lang="zh-CN" altLang="en-US"/>
+            </a:p>
+          </p:txBody>
+        </p:sp>
+        <p:sp>
+          <p:nvSpPr>
+            <p:cNvPr id="39" name="椭圆 38">
+              <a:extLst>
+                <a:ext uri="{FF2B5EF4-FFF2-40B4-BE49-F238E27FC236}">
+                  <a16:creationId xmlns:a16="http://schemas.microsoft.com/office/drawing/2014/main" id="{C3ABEDB6-59D0-4088-9BDC-990BF5E99847}"/>
+                </a:ext>
+              </a:extLst>
+            </p:cNvPr>
+            <p:cNvSpPr/>
+            <p:nvPr/>
+          </p:nvSpPr>
+          <p:spPr>
+            <a:xfrm>
+              <a:off x="714375" y="2990852"/>
+              <a:ext cx="47625" cy="57150"/>
+            </a:xfrm>
+            <a:prstGeom prst="ellipse">
+              <a:avLst/>
+            </a:prstGeom>
+          </p:spPr>
+          <p:style>
+            <a:lnRef idx="2">
+              <a:schemeClr val="accent2">
+                <a:shade val="50000"/>
+              </a:schemeClr>
+            </a:lnRef>
+            <a:fillRef idx="1">
+              <a:schemeClr val="accent2"/>
+            </a:fillRef>
+            <a:effectRef idx="0">
+              <a:schemeClr val="accent2"/>
+            </a:effectRef>
+            <a:fontRef idx="minor">
+              <a:schemeClr val="lt1"/>
+            </a:fontRef>
+          </p:style>
+          <p:txBody>
+            <a:bodyPr rtlCol="0" anchor="ctr"/>
+            <a:lstStyle/>
+            <a:p>
+              <a:pPr algn="ctr"/>
+              <a:endParaRPr lang="zh-CN" altLang="en-US"/>
+            </a:p>
+          </p:txBody>
+        </p:sp>
+        <p:sp>
+          <p:nvSpPr>
+            <p:cNvPr id="41" name="椭圆 40">
+              <a:extLst>
+                <a:ext uri="{FF2B5EF4-FFF2-40B4-BE49-F238E27FC236}">
+                  <a16:creationId xmlns:a16="http://schemas.microsoft.com/office/drawing/2014/main" id="{01B10156-4AC5-42DE-A93C-637D9FBB752F}"/>
+                </a:ext>
+              </a:extLst>
+            </p:cNvPr>
+            <p:cNvSpPr/>
+            <p:nvPr/>
+          </p:nvSpPr>
+          <p:spPr>
+            <a:xfrm>
+              <a:off x="900113" y="3509857"/>
+              <a:ext cx="47625" cy="57150"/>
+            </a:xfrm>
+            <a:prstGeom prst="ellipse">
+              <a:avLst/>
+            </a:prstGeom>
+          </p:spPr>
+          <p:style>
+            <a:lnRef idx="2">
+              <a:schemeClr val="accent2">
+                <a:shade val="50000"/>
+              </a:schemeClr>
+            </a:lnRef>
+            <a:fillRef idx="1">
+              <a:schemeClr val="accent2"/>
+            </a:fillRef>
+            <a:effectRef idx="0">
+              <a:schemeClr val="accent2"/>
+            </a:effectRef>
+            <a:fontRef idx="minor">
+              <a:schemeClr val="lt1"/>
+            </a:fontRef>
+          </p:style>
+          <p:txBody>
+            <a:bodyPr rtlCol="0" anchor="ctr"/>
+            <a:lstStyle/>
+            <a:p>
+              <a:pPr algn="ctr"/>
+              <a:endParaRPr lang="zh-CN" altLang="en-US"/>
+            </a:p>
+          </p:txBody>
+        </p:sp>
+        <p:sp>
+          <p:nvSpPr>
+            <p:cNvPr id="43" name="椭圆 42">
+              <a:extLst>
+                <a:ext uri="{FF2B5EF4-FFF2-40B4-BE49-F238E27FC236}">
+                  <a16:creationId xmlns:a16="http://schemas.microsoft.com/office/drawing/2014/main" id="{B8F16C03-8D13-4530-A5C3-CA588C632182}"/>
+                </a:ext>
+              </a:extLst>
+            </p:cNvPr>
+            <p:cNvSpPr/>
+            <p:nvPr/>
+          </p:nvSpPr>
+          <p:spPr>
+            <a:xfrm>
+              <a:off x="842963" y="3152776"/>
+              <a:ext cx="47625" cy="57150"/>
+            </a:xfrm>
+            <a:prstGeom prst="ellipse">
+              <a:avLst/>
+            </a:prstGeom>
+          </p:spPr>
+          <p:style>
+            <a:lnRef idx="2">
+              <a:schemeClr val="accent2">
+                <a:shade val="50000"/>
+              </a:schemeClr>
+            </a:lnRef>
+            <a:fillRef idx="1">
+              <a:schemeClr val="accent2"/>
+            </a:fillRef>
+            <a:effectRef idx="0">
+              <a:schemeClr val="accent2"/>
+            </a:effectRef>
+            <a:fontRef idx="minor">
+              <a:schemeClr val="lt1"/>
+            </a:fontRef>
+          </p:style>
+          <p:txBody>
+            <a:bodyPr rtlCol="0" anchor="ctr"/>
+            <a:lstStyle/>
+            <a:p>
+              <a:pPr algn="ctr"/>
+              <a:endParaRPr lang="zh-CN" altLang="en-US"/>
+            </a:p>
+          </p:txBody>
+        </p:sp>
+        <p:sp>
+          <p:nvSpPr>
+            <p:cNvPr id="44" name="矩形 43">
+              <a:extLst>
+                <a:ext uri="{FF2B5EF4-FFF2-40B4-BE49-F238E27FC236}">
+                  <a16:creationId xmlns:a16="http://schemas.microsoft.com/office/drawing/2014/main" id="{D0D16DEE-1D33-4745-9BD1-099EC641B78A}"/>
+                </a:ext>
+              </a:extLst>
+            </p:cNvPr>
+            <p:cNvSpPr/>
+            <p:nvPr/>
+          </p:nvSpPr>
+          <p:spPr>
+            <a:xfrm>
+              <a:off x="1907822" y="5339645"/>
+              <a:ext cx="3059289" cy="688622"/>
+            </a:xfrm>
+            <a:prstGeom prst="rect">
+              <a:avLst/>
+            </a:prstGeom>
+          </p:spPr>
+          <p:style>
+            <a:lnRef idx="1">
+              <a:schemeClr val="accent5"/>
+            </a:lnRef>
+            <a:fillRef idx="2">
+              <a:schemeClr val="accent5"/>
+            </a:fillRef>
+            <a:effectRef idx="1">
+              <a:schemeClr val="accent5"/>
+            </a:effectRef>
+            <a:fontRef idx="minor">
+              <a:schemeClr val="dk1"/>
+            </a:fontRef>
+          </p:style>
+          <p:txBody>
+            <a:bodyPr rtlCol="0" anchor="ctr"/>
+            <a:lstStyle/>
+            <a:p>
+              <a:pPr algn="ctr"/>
+              <a:r>
+                <a:rPr lang="en-US" altLang="zh-CN" dirty="0"/>
+                <a:t>2D landmark </a:t>
+              </a:r>
+              <a:r>
+                <a:rPr lang="en-US" altLang="zh-CN" dirty="0" err="1"/>
+                <a:t>groundtruth</a:t>
+              </a:r>
+              <a:endParaRPr lang="zh-CN" altLang="en-US" dirty="0"/>
+            </a:p>
+          </p:txBody>
+        </p:sp>
+        <p:cxnSp>
+          <p:nvCxnSpPr>
+            <p:cNvPr id="48" name="直接连接符 47">
+              <a:extLst>
+                <a:ext uri="{FF2B5EF4-FFF2-40B4-BE49-F238E27FC236}">
+                  <a16:creationId xmlns:a16="http://schemas.microsoft.com/office/drawing/2014/main" id="{AA5EC384-A9DA-4FCD-980C-D48EC15FB879}"/>
+                </a:ext>
+              </a:extLst>
+            </p:cNvPr>
+            <p:cNvCxnSpPr>
+              <a:cxnSpLocks/>
+            </p:cNvCxnSpPr>
+            <p:nvPr/>
+          </p:nvCxnSpPr>
+          <p:spPr>
+            <a:xfrm>
+              <a:off x="923925" y="5204178"/>
+              <a:ext cx="0" cy="479778"/>
+            </a:xfrm>
+            <a:prstGeom prst="line">
+              <a:avLst/>
+            </a:prstGeom>
+          </p:spPr>
+          <p:style>
+            <a:lnRef idx="1">
+              <a:schemeClr val="accent1"/>
+            </a:lnRef>
+            <a:fillRef idx="0">
+              <a:schemeClr val="accent1"/>
+            </a:fillRef>
+            <a:effectRef idx="0">
+              <a:schemeClr val="accent1"/>
+            </a:effectRef>
+            <a:fontRef idx="minor">
+              <a:schemeClr val="tx1"/>
+            </a:fontRef>
+          </p:style>
+        </p:cxnSp>
+        <p:cxnSp>
+          <p:nvCxnSpPr>
+            <p:cNvPr id="50" name="直接箭头连接符 49">
+              <a:extLst>
+                <a:ext uri="{FF2B5EF4-FFF2-40B4-BE49-F238E27FC236}">
+                  <a16:creationId xmlns:a16="http://schemas.microsoft.com/office/drawing/2014/main" id="{25B2143E-9BB0-4E8A-9655-75C8F4C69322}"/>
+                </a:ext>
+              </a:extLst>
+            </p:cNvPr>
+            <p:cNvCxnSpPr>
+              <a:cxnSpLocks/>
+            </p:cNvCxnSpPr>
+            <p:nvPr/>
+          </p:nvCxnSpPr>
+          <p:spPr>
+            <a:xfrm>
+              <a:off x="923925" y="5683956"/>
+              <a:ext cx="983897" cy="0"/>
+            </a:xfrm>
+            <a:prstGeom prst="straightConnector1">
+              <a:avLst/>
+            </a:prstGeom>
+            <a:ln>
+              <a:tailEnd type="triangle"/>
+            </a:ln>
+          </p:spPr>
+          <p:style>
+            <a:lnRef idx="1">
+              <a:schemeClr val="accent1"/>
+            </a:lnRef>
+            <a:fillRef idx="0">
+              <a:schemeClr val="accent1"/>
+            </a:fillRef>
+            <a:effectRef idx="0">
+              <a:schemeClr val="accent1"/>
+            </a:effectRef>
+            <a:fontRef idx="minor">
+              <a:schemeClr val="tx1"/>
+            </a:fontRef>
+          </p:style>
+        </p:cxnSp>
+        <p:cxnSp>
+          <p:nvCxnSpPr>
+            <p:cNvPr id="54" name="直接箭头连接符 53">
+              <a:extLst>
+                <a:ext uri="{FF2B5EF4-FFF2-40B4-BE49-F238E27FC236}">
+                  <a16:creationId xmlns:a16="http://schemas.microsoft.com/office/drawing/2014/main" id="{F6F0533F-3E07-418C-8334-08746B3E4E63}"/>
+                </a:ext>
+              </a:extLst>
+            </p:cNvPr>
+            <p:cNvCxnSpPr>
+              <a:cxnSpLocks/>
+            </p:cNvCxnSpPr>
+            <p:nvPr/>
+          </p:nvCxnSpPr>
+          <p:spPr>
+            <a:xfrm>
+              <a:off x="4967111" y="5683956"/>
+              <a:ext cx="5234164" cy="0"/>
+            </a:xfrm>
+            <a:prstGeom prst="straightConnector1">
+              <a:avLst/>
+            </a:prstGeom>
+            <a:ln>
+              <a:tailEnd type="none"/>
+            </a:ln>
+          </p:spPr>
+          <p:style>
+            <a:lnRef idx="1">
+              <a:schemeClr val="accent1"/>
+            </a:lnRef>
+            <a:fillRef idx="0">
+              <a:schemeClr val="accent1"/>
+            </a:fillRef>
+            <a:effectRef idx="0">
+              <a:schemeClr val="accent1"/>
+            </a:effectRef>
+            <a:fontRef idx="minor">
+              <a:schemeClr val="tx1"/>
+            </a:fontRef>
+          </p:style>
+        </p:cxnSp>
+        <p:cxnSp>
+          <p:nvCxnSpPr>
+            <p:cNvPr id="56" name="直接连接符 55">
+              <a:extLst>
+                <a:ext uri="{FF2B5EF4-FFF2-40B4-BE49-F238E27FC236}">
+                  <a16:creationId xmlns:a16="http://schemas.microsoft.com/office/drawing/2014/main" id="{8831FC2E-E009-4654-AA61-0F7250F8041D}"/>
+                </a:ext>
+              </a:extLst>
+            </p:cNvPr>
+            <p:cNvCxnSpPr>
+              <a:cxnSpLocks/>
+            </p:cNvCxnSpPr>
+            <p:nvPr/>
+          </p:nvCxnSpPr>
+          <p:spPr>
+            <a:xfrm>
+              <a:off x="10201275" y="3889093"/>
+              <a:ext cx="0" cy="1794863"/>
+            </a:xfrm>
+            <a:prstGeom prst="line">
+              <a:avLst/>
+            </a:prstGeom>
+            <a:ln>
+              <a:headEnd type="triangle" w="lg" len="lg"/>
+            </a:ln>
+          </p:spPr>
+          <p:style>
+            <a:lnRef idx="1">
+              <a:schemeClr val="accent1"/>
+            </a:lnRef>
+            <a:fillRef idx="0">
+              <a:schemeClr val="accent1"/>
+            </a:fillRef>
+            <a:effectRef idx="0">
+              <a:schemeClr val="accent1"/>
+            </a:effectRef>
+            <a:fontRef idx="minor">
+              <a:schemeClr val="tx1"/>
+            </a:fontRef>
+          </p:style>
+        </p:cxnSp>
+      </p:grpSp>
+    </p:spTree>
+    <p:extLst>
+      <p:ext uri="{BB962C8B-B14F-4D97-AF65-F5344CB8AC3E}">
+        <p14:creationId xmlns:p14="http://schemas.microsoft.com/office/powerpoint/2010/main" val="814524815"/>
       </p:ext>
     </p:extLst>
   </p:cSld>

--- a/视频人体动捕技术/imgs/edit.pptx
+++ b/视频人体动捕技术/imgs/edit.pptx
@@ -8,6 +8,7 @@
     <p:sldId id="256" r:id="rId2"/>
     <p:sldId id="257" r:id="rId3"/>
     <p:sldId id="258" r:id="rId4"/>
+    <p:sldId id="259" r:id="rId5"/>
   </p:sldIdLst>
   <p:sldSz cx="12192000" cy="6858000"/>
   <p:notesSz cx="6858000" cy="9144000"/>
@@ -261,7 +262,7 @@
           <a:p>
             <a:fld id="{69B82418-4580-4E23-A80E-2AC1137F7F07}" type="datetimeFigureOut">
               <a:rPr lang="zh-CN" altLang="en-US" smtClean="0"/>
-              <a:t>2020/8/30 Sunday</a:t>
+              <a:t>2020/8/31 Monday</a:t>
             </a:fld>
             <a:endParaRPr lang="zh-CN" altLang="en-US"/>
           </a:p>
@@ -459,7 +460,7 @@
           <a:p>
             <a:fld id="{69B82418-4580-4E23-A80E-2AC1137F7F07}" type="datetimeFigureOut">
               <a:rPr lang="zh-CN" altLang="en-US" smtClean="0"/>
-              <a:t>2020/8/30 Sunday</a:t>
+              <a:t>2020/8/31 Monday</a:t>
             </a:fld>
             <a:endParaRPr lang="zh-CN" altLang="en-US"/>
           </a:p>
@@ -667,7 +668,7 @@
           <a:p>
             <a:fld id="{69B82418-4580-4E23-A80E-2AC1137F7F07}" type="datetimeFigureOut">
               <a:rPr lang="zh-CN" altLang="en-US" smtClean="0"/>
-              <a:t>2020/8/30 Sunday</a:t>
+              <a:t>2020/8/31 Monday</a:t>
             </a:fld>
             <a:endParaRPr lang="zh-CN" altLang="en-US"/>
           </a:p>
@@ -865,7 +866,7 @@
           <a:p>
             <a:fld id="{69B82418-4580-4E23-A80E-2AC1137F7F07}" type="datetimeFigureOut">
               <a:rPr lang="zh-CN" altLang="en-US" smtClean="0"/>
-              <a:t>2020/8/30 Sunday</a:t>
+              <a:t>2020/8/31 Monday</a:t>
             </a:fld>
             <a:endParaRPr lang="zh-CN" altLang="en-US"/>
           </a:p>
@@ -1140,7 +1141,7 @@
           <a:p>
             <a:fld id="{69B82418-4580-4E23-A80E-2AC1137F7F07}" type="datetimeFigureOut">
               <a:rPr lang="zh-CN" altLang="en-US" smtClean="0"/>
-              <a:t>2020/8/30 Sunday</a:t>
+              <a:t>2020/8/31 Monday</a:t>
             </a:fld>
             <a:endParaRPr lang="zh-CN" altLang="en-US"/>
           </a:p>
@@ -1405,7 +1406,7 @@
           <a:p>
             <a:fld id="{69B82418-4580-4E23-A80E-2AC1137F7F07}" type="datetimeFigureOut">
               <a:rPr lang="zh-CN" altLang="en-US" smtClean="0"/>
-              <a:t>2020/8/30 Sunday</a:t>
+              <a:t>2020/8/31 Monday</a:t>
             </a:fld>
             <a:endParaRPr lang="zh-CN" altLang="en-US"/>
           </a:p>
@@ -1817,7 +1818,7 @@
           <a:p>
             <a:fld id="{69B82418-4580-4E23-A80E-2AC1137F7F07}" type="datetimeFigureOut">
               <a:rPr lang="zh-CN" altLang="en-US" smtClean="0"/>
-              <a:t>2020/8/30 Sunday</a:t>
+              <a:t>2020/8/31 Monday</a:t>
             </a:fld>
             <a:endParaRPr lang="zh-CN" altLang="en-US"/>
           </a:p>
@@ -1958,7 +1959,7 @@
           <a:p>
             <a:fld id="{69B82418-4580-4E23-A80E-2AC1137F7F07}" type="datetimeFigureOut">
               <a:rPr lang="zh-CN" altLang="en-US" smtClean="0"/>
-              <a:t>2020/8/30 Sunday</a:t>
+              <a:t>2020/8/31 Monday</a:t>
             </a:fld>
             <a:endParaRPr lang="zh-CN" altLang="en-US"/>
           </a:p>
@@ -2071,7 +2072,7 @@
           <a:p>
             <a:fld id="{69B82418-4580-4E23-A80E-2AC1137F7F07}" type="datetimeFigureOut">
               <a:rPr lang="zh-CN" altLang="en-US" smtClean="0"/>
-              <a:t>2020/8/30 Sunday</a:t>
+              <a:t>2020/8/31 Monday</a:t>
             </a:fld>
             <a:endParaRPr lang="zh-CN" altLang="en-US"/>
           </a:p>
@@ -2382,7 +2383,7 @@
           <a:p>
             <a:fld id="{69B82418-4580-4E23-A80E-2AC1137F7F07}" type="datetimeFigureOut">
               <a:rPr lang="zh-CN" altLang="en-US" smtClean="0"/>
-              <a:t>2020/8/30 Sunday</a:t>
+              <a:t>2020/8/31 Monday</a:t>
             </a:fld>
             <a:endParaRPr lang="zh-CN" altLang="en-US"/>
           </a:p>
@@ -2670,7 +2671,7 @@
           <a:p>
             <a:fld id="{69B82418-4580-4E23-A80E-2AC1137F7F07}" type="datetimeFigureOut">
               <a:rPr lang="zh-CN" altLang="en-US" smtClean="0"/>
-              <a:t>2020/8/30 Sunday</a:t>
+              <a:t>2020/8/31 Monday</a:t>
             </a:fld>
             <a:endParaRPr lang="zh-CN" altLang="en-US"/>
           </a:p>
@@ -2911,7 +2912,7 @@
           <a:p>
             <a:fld id="{69B82418-4580-4E23-A80E-2AC1137F7F07}" type="datetimeFigureOut">
               <a:rPr lang="zh-CN" altLang="en-US" smtClean="0"/>
-              <a:t>2020/8/30 Sunday</a:t>
+              <a:t>2020/8/31 Monday</a:t>
             </a:fld>
             <a:endParaRPr lang="zh-CN" altLang="en-US"/>
           </a:p>
@@ -3637,7 +3638,7 @@
             <a:graphicData uri="http://schemas.openxmlformats.org/presentationml/2006/ole">
               <mc:AlternateContent xmlns:mc="http://schemas.openxmlformats.org/markup-compatibility/2006">
                 <mc:Choice xmlns:v="urn:schemas-microsoft-com:vml" Requires="v">
-                  <p:oleObj spid="_x0000_s1046" name="AxMath" r:id="rId3" imgW="659520" imgH="218520" progId="Equation.AxMath">
+                  <p:oleObj spid="_x0000_s1078" name="AxMath" r:id="rId3" imgW="659520" imgH="218520" progId="Equation.AxMath">
                     <p:embed/>
                   </p:oleObj>
                 </mc:Choice>
@@ -3831,7 +3832,7 @@
             <a:graphicData uri="http://schemas.openxmlformats.org/presentationml/2006/ole">
               <mc:AlternateContent xmlns:mc="http://schemas.openxmlformats.org/markup-compatibility/2006">
                 <mc:Choice xmlns:v="urn:schemas-microsoft-com:vml" Requires="v">
-                  <p:oleObj spid="_x0000_s1047" name="AxMath" r:id="rId5" imgW="564120" imgH="218520" progId="Equation.AxMath">
+                  <p:oleObj spid="_x0000_s1079" name="AxMath" r:id="rId5" imgW="564120" imgH="218520" progId="Equation.AxMath">
                     <p:embed/>
                   </p:oleObj>
                 </mc:Choice>
@@ -3941,7 +3942,7 @@
             <a:graphicData uri="http://schemas.openxmlformats.org/presentationml/2006/ole">
               <mc:AlternateContent xmlns:mc="http://schemas.openxmlformats.org/markup-compatibility/2006">
                 <mc:Choice xmlns:v="urn:schemas-microsoft-com:vml" Requires="v">
-                  <p:oleObj spid="_x0000_s1048" name="AxMath" r:id="rId7" imgW="564120" imgH="218520" progId="Equation.AxMath">
+                  <p:oleObj spid="_x0000_s1080" name="AxMath" r:id="rId7" imgW="564120" imgH="218520" progId="Equation.AxMath">
                     <p:embed/>
                   </p:oleObj>
                 </mc:Choice>
@@ -4159,7 +4160,7 @@
             <a:graphicData uri="http://schemas.openxmlformats.org/presentationml/2006/ole">
               <mc:AlternateContent xmlns:mc="http://schemas.openxmlformats.org/markup-compatibility/2006">
                 <mc:Choice xmlns:v="urn:schemas-microsoft-com:vml" Requires="v">
-                  <p:oleObj spid="_x0000_s1049" name="AxMath" r:id="rId8" imgW="130680" imgH="207360" progId="Equation.AxMath">
+                  <p:oleObj spid="_x0000_s1081" name="AxMath" r:id="rId8" imgW="130680" imgH="207360" progId="Equation.AxMath">
                     <p:embed/>
                   </p:oleObj>
                 </mc:Choice>
@@ -5112,6 +5113,305 @@
 </p:sld>
 </file>
 
+<file path=ppt/slides/slide4.xml><?xml version="1.0" encoding="utf-8"?>
+<p:sld xmlns:a="http://schemas.openxmlformats.org/drawingml/2006/main" xmlns:r="http://schemas.openxmlformats.org/officeDocument/2006/relationships" xmlns:p="http://schemas.openxmlformats.org/presentationml/2006/main">
+  <p:cSld>
+    <p:spTree>
+      <p:nvGrpSpPr>
+        <p:cNvPr id="1" name=""/>
+        <p:cNvGrpSpPr/>
+        <p:nvPr/>
+      </p:nvGrpSpPr>
+      <p:grpSpPr>
+        <a:xfrm>
+          <a:off x="0" y="0"/>
+          <a:ext cx="0" cy="0"/>
+          <a:chOff x="0" y="0"/>
+          <a:chExt cx="0" cy="0"/>
+        </a:xfrm>
+      </p:grpSpPr>
+      <p:grpSp>
+        <p:nvGrpSpPr>
+          <p:cNvPr id="24" name="组合 23">
+            <a:extLst>
+              <a:ext uri="{FF2B5EF4-FFF2-40B4-BE49-F238E27FC236}">
+                <a16:creationId xmlns:a16="http://schemas.microsoft.com/office/drawing/2014/main" id="{5558BE5A-90A7-416B-917D-2100AE6E65FE}"/>
+              </a:ext>
+            </a:extLst>
+          </p:cNvPr>
+          <p:cNvGrpSpPr/>
+          <p:nvPr/>
+        </p:nvGrpSpPr>
+        <p:grpSpPr>
+          <a:xfrm>
+            <a:off x="3378527" y="394210"/>
+            <a:ext cx="5434945" cy="5735692"/>
+            <a:chOff x="3378527" y="394210"/>
+            <a:chExt cx="5434945" cy="5735692"/>
+          </a:xfrm>
+        </p:grpSpPr>
+        <p:pic>
+          <p:nvPicPr>
+            <p:cNvPr id="11" name="图片 10">
+              <a:extLst>
+                <a:ext uri="{FF2B5EF4-FFF2-40B4-BE49-F238E27FC236}">
+                  <a16:creationId xmlns:a16="http://schemas.microsoft.com/office/drawing/2014/main" id="{205A3139-CC95-45AA-B7B1-4CFB8A5052F3}"/>
+                </a:ext>
+              </a:extLst>
+            </p:cNvPr>
+            <p:cNvPicPr>
+              <a:picLocks noChangeAspect="1"/>
+            </p:cNvPicPr>
+            <p:nvPr/>
+          </p:nvPicPr>
+          <p:blipFill>
+            <a:blip r:embed="rId3"/>
+            <a:stretch>
+              <a:fillRect/>
+            </a:stretch>
+          </p:blipFill>
+          <p:spPr>
+            <a:xfrm>
+              <a:off x="3378527" y="394210"/>
+              <a:ext cx="5434945" cy="5735692"/>
+            </a:xfrm>
+            <a:prstGeom prst="rect">
+              <a:avLst/>
+            </a:prstGeom>
+          </p:spPr>
+        </p:pic>
+        <p:cxnSp>
+          <p:nvCxnSpPr>
+            <p:cNvPr id="19" name="直接箭头连接符 18">
+              <a:extLst>
+                <a:ext uri="{FF2B5EF4-FFF2-40B4-BE49-F238E27FC236}">
+                  <a16:creationId xmlns:a16="http://schemas.microsoft.com/office/drawing/2014/main" id="{F7A0646E-979C-4B84-881E-163EED4E6461}"/>
+                </a:ext>
+              </a:extLst>
+            </p:cNvPr>
+            <p:cNvCxnSpPr/>
+            <p:nvPr/>
+          </p:nvCxnSpPr>
+          <p:spPr>
+            <a:xfrm>
+              <a:off x="5056850" y="2619022"/>
+              <a:ext cx="0" cy="3510880"/>
+            </a:xfrm>
+            <a:prstGeom prst="straightConnector1">
+              <a:avLst/>
+            </a:prstGeom>
+            <a:ln w="63500">
+              <a:solidFill>
+                <a:srgbClr val="0070C0"/>
+              </a:solidFill>
+              <a:tailEnd type="triangle"/>
+            </a:ln>
+          </p:spPr>
+          <p:style>
+            <a:lnRef idx="1">
+              <a:schemeClr val="accent1"/>
+            </a:lnRef>
+            <a:fillRef idx="0">
+              <a:schemeClr val="accent1"/>
+            </a:fillRef>
+            <a:effectRef idx="0">
+              <a:schemeClr val="accent1"/>
+            </a:effectRef>
+            <a:fontRef idx="minor">
+              <a:schemeClr val="tx1"/>
+            </a:fontRef>
+          </p:style>
+        </p:cxnSp>
+        <p:cxnSp>
+          <p:nvCxnSpPr>
+            <p:cNvPr id="30" name="直接箭头连接符 29">
+              <a:extLst>
+                <a:ext uri="{FF2B5EF4-FFF2-40B4-BE49-F238E27FC236}">
+                  <a16:creationId xmlns:a16="http://schemas.microsoft.com/office/drawing/2014/main" id="{E2EC5D9D-6760-4A11-8914-4E9861161752}"/>
+                </a:ext>
+              </a:extLst>
+            </p:cNvPr>
+            <p:cNvCxnSpPr>
+              <a:cxnSpLocks/>
+            </p:cNvCxnSpPr>
+            <p:nvPr/>
+          </p:nvCxnSpPr>
+          <p:spPr>
+            <a:xfrm flipH="1">
+              <a:off x="3378527" y="2586709"/>
+              <a:ext cx="1678324" cy="0"/>
+            </a:xfrm>
+            <a:prstGeom prst="straightConnector1">
+              <a:avLst/>
+            </a:prstGeom>
+            <a:ln w="63500">
+              <a:solidFill>
+                <a:srgbClr val="0070C0"/>
+              </a:solidFill>
+              <a:tailEnd type="triangle"/>
+            </a:ln>
+          </p:spPr>
+          <p:style>
+            <a:lnRef idx="1">
+              <a:schemeClr val="accent1"/>
+            </a:lnRef>
+            <a:fillRef idx="0">
+              <a:schemeClr val="accent1"/>
+            </a:fillRef>
+            <a:effectRef idx="0">
+              <a:schemeClr val="accent1"/>
+            </a:effectRef>
+            <a:fontRef idx="minor">
+              <a:schemeClr val="tx1"/>
+            </a:fontRef>
+          </p:style>
+        </p:cxnSp>
+        <p:graphicFrame>
+          <p:nvGraphicFramePr>
+            <p:cNvPr id="22" name="对象 21">
+              <a:extLst>
+                <a:ext uri="{FF2B5EF4-FFF2-40B4-BE49-F238E27FC236}">
+                  <a16:creationId xmlns:a16="http://schemas.microsoft.com/office/drawing/2014/main" id="{C0F00609-236D-4B93-94EA-3DA4F74688F8}"/>
+                </a:ext>
+              </a:extLst>
+            </p:cNvPr>
+            <p:cNvGraphicFramePr>
+              <a:graphicFrameLocks noChangeAspect="1"/>
+            </p:cNvGraphicFramePr>
+            <p:nvPr>
+              <p:extLst>
+                <p:ext uri="{D42A27DB-BD31-4B8C-83A1-F6EECF244321}">
+                  <p14:modId xmlns:p14="http://schemas.microsoft.com/office/powerpoint/2010/main" val="2192780265"/>
+                </p:ext>
+              </p:extLst>
+            </p:nvPr>
+          </p:nvGraphicFramePr>
+          <p:xfrm>
+            <a:off x="3849326" y="1828342"/>
+            <a:ext cx="491180" cy="790680"/>
+          </p:xfrm>
+          <a:graphic>
+            <a:graphicData uri="http://schemas.openxmlformats.org/presentationml/2006/ole">
+              <mc:AlternateContent xmlns:mc="http://schemas.openxmlformats.org/markup-compatibility/2006">
+                <mc:Choice xmlns:v="urn:schemas-microsoft-com:vml" Requires="v">
+                  <p:oleObj spid="_x0000_s2060" name="AxMath" r:id="rId4" imgW="130680" imgH="208800" progId="Equation.AxMath">
+                    <p:embed/>
+                  </p:oleObj>
+                </mc:Choice>
+                <mc:Fallback>
+                  <p:oleObj name="AxMath" r:id="rId4" imgW="130680" imgH="208800" progId="Equation.AxMath">
+                    <p:embed/>
+                    <p:pic>
+                      <p:nvPicPr>
+                        <p:cNvPr id="0" name=""/>
+                        <p:cNvPicPr/>
+                        <p:nvPr/>
+                      </p:nvPicPr>
+                      <p:blipFill>
+                        <a:blip r:embed="rId5"/>
+                        <a:stretch>
+                          <a:fillRect/>
+                        </a:stretch>
+                      </p:blipFill>
+                      <p:spPr>
+                        <a:xfrm>
+                          <a:off x="3849326" y="1828342"/>
+                          <a:ext cx="491180" cy="790680"/>
+                        </a:xfrm>
+                        <a:prstGeom prst="rect">
+                          <a:avLst/>
+                        </a:prstGeom>
+                      </p:spPr>
+                    </p:pic>
+                  </p:oleObj>
+                </mc:Fallback>
+              </mc:AlternateContent>
+            </a:graphicData>
+          </a:graphic>
+        </p:graphicFrame>
+        <p:graphicFrame>
+          <p:nvGraphicFramePr>
+            <p:cNvPr id="23" name="对象 22">
+              <a:extLst>
+                <a:ext uri="{FF2B5EF4-FFF2-40B4-BE49-F238E27FC236}">
+                  <a16:creationId xmlns:a16="http://schemas.microsoft.com/office/drawing/2014/main" id="{59BCF83A-90A9-486A-B4A0-4E8733D118C9}"/>
+                </a:ext>
+              </a:extLst>
+            </p:cNvPr>
+            <p:cNvGraphicFramePr>
+              <a:graphicFrameLocks noChangeAspect="1"/>
+            </p:cNvGraphicFramePr>
+            <p:nvPr>
+              <p:extLst>
+                <p:ext uri="{D42A27DB-BD31-4B8C-83A1-F6EECF244321}">
+                  <p14:modId xmlns:p14="http://schemas.microsoft.com/office/powerpoint/2010/main" val="684679119"/>
+                </p:ext>
+              </p:extLst>
+            </p:nvPr>
+          </p:nvGraphicFramePr>
+          <p:xfrm>
+            <a:off x="4572000" y="3567113"/>
+            <a:ext cx="477838" cy="790575"/>
+          </p:xfrm>
+          <a:graphic>
+            <a:graphicData uri="http://schemas.openxmlformats.org/presentationml/2006/ole">
+              <mc:AlternateContent xmlns:mc="http://schemas.openxmlformats.org/markup-compatibility/2006">
+                <mc:Choice xmlns:v="urn:schemas-microsoft-com:vml" Requires="v">
+                  <p:oleObj spid="_x0000_s2061" name="AxMath" r:id="rId6" imgW="127440" imgH="208800" progId="Equation.AxMath">
+                    <p:embed/>
+                  </p:oleObj>
+                </mc:Choice>
+                <mc:Fallback>
+                  <p:oleObj name="AxMath" r:id="rId6" imgW="127440" imgH="208800" progId="Equation.AxMath">
+                    <p:embed/>
+                    <p:pic>
+                      <p:nvPicPr>
+                        <p:cNvPr id="22" name="对象 21">
+                          <a:extLst>
+                            <a:ext uri="{FF2B5EF4-FFF2-40B4-BE49-F238E27FC236}">
+                              <a16:creationId xmlns:a16="http://schemas.microsoft.com/office/drawing/2014/main" id="{C0F00609-236D-4B93-94EA-3DA4F74688F8}"/>
+                            </a:ext>
+                          </a:extLst>
+                        </p:cNvPr>
+                        <p:cNvPicPr/>
+                        <p:nvPr/>
+                      </p:nvPicPr>
+                      <p:blipFill>
+                        <a:blip r:embed="rId7"/>
+                        <a:stretch>
+                          <a:fillRect/>
+                        </a:stretch>
+                      </p:blipFill>
+                      <p:spPr>
+                        <a:xfrm>
+                          <a:off x="4572000" y="3567113"/>
+                          <a:ext cx="477838" cy="790575"/>
+                        </a:xfrm>
+                        <a:prstGeom prst="rect">
+                          <a:avLst/>
+                        </a:prstGeom>
+                      </p:spPr>
+                    </p:pic>
+                  </p:oleObj>
+                </mc:Fallback>
+              </mc:AlternateContent>
+            </a:graphicData>
+          </a:graphic>
+        </p:graphicFrame>
+      </p:grpSp>
+    </p:spTree>
+    <p:extLst>
+      <p:ext uri="{BB962C8B-B14F-4D97-AF65-F5344CB8AC3E}">
+        <p14:creationId xmlns:p14="http://schemas.microsoft.com/office/powerpoint/2010/main" val="3654183911"/>
+      </p:ext>
+    </p:extLst>
+  </p:cSld>
+  <p:clrMapOvr>
+    <a:masterClrMapping/>
+  </p:clrMapOvr>
+</p:sld>
+</file>
+
 <file path=ppt/theme/theme1.xml><?xml version="1.0" encoding="utf-8"?>
 <a:theme xmlns:a="http://schemas.openxmlformats.org/drawingml/2006/main" name="Office 主题​​">
   <a:themeElements>
